--- a/git入门.pptx
+++ b/git入门.pptx
@@ -8,6 +8,7 @@
     <p:sldId id="256" r:id="rId2"/>
     <p:sldId id="257" r:id="rId3"/>
     <p:sldId id="258" r:id="rId4"/>
+    <p:sldId id="259" r:id="rId5"/>
   </p:sldIdLst>
   <p:sldSz cx="12192000" cy="6858000"/>
   <p:notesSz cx="6858000" cy="9144000"/>
@@ -106,6 +107,11 @@
       </a:defRPr>
     </a:lvl9pPr>
   </p:defaultTextStyle>
+  <p:extLst>
+    <p:ext uri="{EFAFB233-063F-42B5-8137-9DF3F51BA10A}">
+      <p15:sldGuideLst xmlns:p15="http://schemas.microsoft.com/office/powerpoint/2012/main"/>
+    </p:ext>
+  </p:extLst>
 </p:presentation>
 </file>
 
@@ -154,7 +160,6 @@
               <a:rPr lang="zh-CN" altLang="en-US"/>
               <a:t>单击此处编辑母版标题样式</a:t>
             </a:r>
-            <a:endParaRPr lang="zh-CN" altLang="en-US"/>
           </a:p>
         </p:txBody>
       </p:sp>
@@ -219,7 +224,6 @@
               <a:rPr lang="zh-CN" altLang="en-US"/>
               <a:t>单击以编辑母版副标题样式</a:t>
             </a:r>
-            <a:endParaRPr lang="zh-CN" altLang="en-US"/>
           </a:p>
         </p:txBody>
       </p:sp>
@@ -337,7 +341,6 @@
               <a:rPr lang="zh-CN" altLang="en-US"/>
               <a:t>单击此处编辑母版标题样式</a:t>
             </a:r>
-            <a:endParaRPr lang="zh-CN" altLang="en-US"/>
           </a:p>
         </p:txBody>
       </p:sp>
@@ -389,7 +392,6 @@
               <a:rPr lang="zh-CN" altLang="en-US"/>
               <a:t>第五级</a:t>
             </a:r>
-            <a:endParaRPr lang="zh-CN" altLang="en-US"/>
           </a:p>
         </p:txBody>
       </p:sp>
@@ -512,7 +514,6 @@
               <a:rPr lang="zh-CN" altLang="en-US"/>
               <a:t>单击此处编辑母版标题样式</a:t>
             </a:r>
-            <a:endParaRPr lang="zh-CN" altLang="en-US"/>
           </a:p>
         </p:txBody>
       </p:sp>
@@ -569,7 +570,6 @@
               <a:rPr lang="zh-CN" altLang="en-US"/>
               <a:t>第五级</a:t>
             </a:r>
-            <a:endParaRPr lang="zh-CN" altLang="en-US"/>
           </a:p>
         </p:txBody>
       </p:sp>
@@ -687,7 +687,6 @@
               <a:rPr lang="zh-CN" altLang="en-US"/>
               <a:t>单击此处编辑母版标题样式</a:t>
             </a:r>
-            <a:endParaRPr lang="zh-CN" altLang="en-US"/>
           </a:p>
         </p:txBody>
       </p:sp>
@@ -739,7 +738,6 @@
               <a:rPr lang="zh-CN" altLang="en-US"/>
               <a:t>第五级</a:t>
             </a:r>
-            <a:endParaRPr lang="zh-CN" altLang="en-US"/>
           </a:p>
         </p:txBody>
       </p:sp>
@@ -866,7 +864,6 @@
               <a:rPr lang="zh-CN" altLang="en-US"/>
               <a:t>单击此处编辑母版标题样式</a:t>
             </a:r>
-            <a:endParaRPr lang="zh-CN" altLang="en-US"/>
           </a:p>
         </p:txBody>
       </p:sp>
@@ -1103,7 +1100,6 @@
               <a:rPr lang="zh-CN" altLang="en-US"/>
               <a:t>单击此处编辑母版标题样式</a:t>
             </a:r>
-            <a:endParaRPr lang="zh-CN" altLang="en-US"/>
           </a:p>
         </p:txBody>
       </p:sp>
@@ -1160,7 +1156,6 @@
               <a:rPr lang="zh-CN" altLang="en-US"/>
               <a:t>第五级</a:t>
             </a:r>
-            <a:endParaRPr lang="zh-CN" altLang="en-US"/>
           </a:p>
         </p:txBody>
       </p:sp>
@@ -1217,7 +1212,6 @@
               <a:rPr lang="zh-CN" altLang="en-US"/>
               <a:t>第五级</a:t>
             </a:r>
-            <a:endParaRPr lang="zh-CN" altLang="en-US"/>
           </a:p>
         </p:txBody>
       </p:sp>
@@ -1340,7 +1334,6 @@
               <a:rPr lang="zh-CN" altLang="en-US"/>
               <a:t>单击此处编辑母版标题样式</a:t>
             </a:r>
-            <a:endParaRPr lang="zh-CN" altLang="en-US"/>
           </a:p>
         </p:txBody>
       </p:sp>
@@ -1462,7 +1455,6 @@
               <a:rPr lang="zh-CN" altLang="en-US"/>
               <a:t>第五级</a:t>
             </a:r>
-            <a:endParaRPr lang="zh-CN" altLang="en-US"/>
           </a:p>
         </p:txBody>
       </p:sp>
@@ -1584,7 +1576,6 @@
               <a:rPr lang="zh-CN" altLang="en-US"/>
               <a:t>第五级</a:t>
             </a:r>
-            <a:endParaRPr lang="zh-CN" altLang="en-US"/>
           </a:p>
         </p:txBody>
       </p:sp>
@@ -1702,7 +1693,6 @@
               <a:rPr lang="zh-CN" altLang="en-US"/>
               <a:t>单击此处编辑母版标题样式</a:t>
             </a:r>
-            <a:endParaRPr lang="zh-CN" altLang="en-US"/>
           </a:p>
         </p:txBody>
       </p:sp>
@@ -1924,7 +1914,6 @@
               <a:rPr lang="zh-CN" altLang="en-US"/>
               <a:t>单击此处编辑母版标题样式</a:t>
             </a:r>
-            <a:endParaRPr lang="zh-CN" altLang="en-US"/>
           </a:p>
         </p:txBody>
       </p:sp>
@@ -2009,7 +1998,6 @@
               <a:rPr lang="zh-CN" altLang="en-US"/>
               <a:t>第五级</a:t>
             </a:r>
-            <a:endParaRPr lang="zh-CN" altLang="en-US"/>
           </a:p>
         </p:txBody>
       </p:sp>
@@ -2201,7 +2189,6 @@
               <a:rPr lang="zh-CN" altLang="en-US"/>
               <a:t>单击此处编辑母版标题样式</a:t>
             </a:r>
-            <a:endParaRPr lang="zh-CN" altLang="en-US"/>
           </a:p>
         </p:txBody>
       </p:sp>
@@ -2460,7 +2447,6 @@
               <a:rPr lang="zh-CN" altLang="en-US"/>
               <a:t>单击此处编辑母版标题样式</a:t>
             </a:r>
-            <a:endParaRPr lang="zh-CN" altLang="en-US"/>
           </a:p>
         </p:txBody>
       </p:sp>
@@ -2522,7 +2508,6 @@
               <a:rPr lang="zh-CN" altLang="en-US"/>
               <a:t>第五级</a:t>
             </a:r>
-            <a:endParaRPr lang="zh-CN" altLang="en-US"/>
           </a:p>
         </p:txBody>
       </p:sp>
@@ -3214,7 +3199,7 @@
         </p:blipFill>
         <p:spPr>
           <a:xfrm>
-            <a:off x="1618674" y="1731295"/>
+            <a:off x="1618674" y="1478093"/>
             <a:ext cx="8650741" cy="4942857"/>
           </a:xfrm>
           <a:prstGeom prst="rect">
@@ -3351,7 +3336,6 @@
               <a:rPr lang="zh-CN" altLang="en-US" dirty="0"/>
               <a:t>（默认分支）</a:t>
             </a:r>
-            <a:endParaRPr lang="zh-CN" altLang="en-US" dirty="0"/>
           </a:p>
         </p:txBody>
       </p:sp>
@@ -3388,6 +3372,166 @@
     <p:extLst>
       <p:ext uri="{BB962C8B-B14F-4D97-AF65-F5344CB8AC3E}">
         <p14:creationId xmlns:p14="http://schemas.microsoft.com/office/powerpoint/2010/main" val="1157488935"/>
+      </p:ext>
+    </p:extLst>
+  </p:cSld>
+  <p:clrMapOvr>
+    <a:masterClrMapping/>
+  </p:clrMapOvr>
+</p:sld>
+</file>
+
+<file path=ppt/slides/slide4.xml><?xml version="1.0" encoding="utf-8"?>
+<p:sld xmlns:a="http://schemas.openxmlformats.org/drawingml/2006/main" xmlns:r="http://schemas.openxmlformats.org/officeDocument/2006/relationships" xmlns:p="http://schemas.openxmlformats.org/presentationml/2006/main">
+  <p:cSld>
+    <p:spTree>
+      <p:nvGrpSpPr>
+        <p:cNvPr id="1" name=""/>
+        <p:cNvGrpSpPr/>
+        <p:nvPr/>
+      </p:nvGrpSpPr>
+      <p:grpSpPr>
+        <a:xfrm>
+          <a:off x="0" y="0"/>
+          <a:ext cx="0" cy="0"/>
+          <a:chOff x="0" y="0"/>
+          <a:chExt cx="0" cy="0"/>
+        </a:xfrm>
+      </p:grpSpPr>
+      <p:pic>
+        <p:nvPicPr>
+          <p:cNvPr id="4" name="图片 3"/>
+          <p:cNvPicPr>
+            <a:picLocks noChangeAspect="1"/>
+          </p:cNvPicPr>
+          <p:nvPr/>
+        </p:nvPicPr>
+        <p:blipFill>
+          <a:blip r:embed="rId2"/>
+          <a:stretch>
+            <a:fillRect/>
+          </a:stretch>
+        </p:blipFill>
+        <p:spPr>
+          <a:xfrm>
+            <a:off x="1210711" y="1759429"/>
+            <a:ext cx="8580403" cy="4942857"/>
+          </a:xfrm>
+          <a:prstGeom prst="rect">
+            <a:avLst/>
+          </a:prstGeom>
+        </p:spPr>
+      </p:pic>
+      <p:sp>
+        <p:nvSpPr>
+          <p:cNvPr id="6" name="文本框 5"/>
+          <p:cNvSpPr txBox="1"/>
+          <p:nvPr/>
+        </p:nvSpPr>
+        <p:spPr>
+          <a:xfrm>
+            <a:off x="1210711" y="422031"/>
+            <a:ext cx="3496470" cy="369332"/>
+          </a:xfrm>
+          <a:prstGeom prst="rect">
+            <a:avLst/>
+          </a:prstGeom>
+          <a:noFill/>
+        </p:spPr>
+        <p:txBody>
+          <a:bodyPr wrap="none" rtlCol="0">
+            <a:spAutoFit/>
+          </a:bodyPr>
+          <a:lstStyle/>
+          <a:p>
+            <a:r>
+              <a:rPr lang="zh-CN" altLang="en-US" dirty="0"/>
+              <a:t>添加文件       </a:t>
+            </a:r>
+            <a:r>
+              <a:rPr lang="en-US" altLang="zh-CN" dirty="0"/>
+              <a:t>git add –A</a:t>
+            </a:r>
+            <a:r>
+              <a:rPr lang="zh-CN" altLang="en-US" dirty="0"/>
+              <a:t>或文件名</a:t>
+            </a:r>
+          </a:p>
+        </p:txBody>
+      </p:sp>
+      <p:sp>
+        <p:nvSpPr>
+          <p:cNvPr id="7" name="矩形 6"/>
+          <p:cNvSpPr/>
+          <p:nvPr/>
+        </p:nvSpPr>
+        <p:spPr>
+          <a:xfrm>
+            <a:off x="1210711" y="721398"/>
+            <a:ext cx="3829895" cy="369332"/>
+          </a:xfrm>
+          <a:prstGeom prst="rect">
+            <a:avLst/>
+          </a:prstGeom>
+        </p:spPr>
+        <p:txBody>
+          <a:bodyPr wrap="none">
+            <a:spAutoFit/>
+          </a:bodyPr>
+          <a:lstStyle/>
+          <a:p>
+            <a:r>
+              <a:rPr lang="en-US" altLang="zh-CN" dirty="0"/>
+              <a:t>git commit –m </a:t>
+            </a:r>
+            <a:r>
+              <a:rPr lang="zh-CN" altLang="en-US" dirty="0"/>
+              <a:t>“</a:t>
+            </a:r>
+            <a:r>
+              <a:rPr lang="en-US" altLang="zh-CN" dirty="0"/>
+              <a:t>test</a:t>
+            </a:r>
+            <a:r>
+              <a:rPr lang="zh-CN" altLang="en-US" dirty="0"/>
+              <a:t>”添加到本地分支</a:t>
+            </a:r>
+          </a:p>
+        </p:txBody>
+      </p:sp>
+      <p:sp>
+        <p:nvSpPr>
+          <p:cNvPr id="9" name="文本框 8"/>
+          <p:cNvSpPr txBox="1"/>
+          <p:nvPr/>
+        </p:nvSpPr>
+        <p:spPr>
+          <a:xfrm>
+            <a:off x="1210711" y="1090730"/>
+            <a:ext cx="1800493" cy="369332"/>
+          </a:xfrm>
+          <a:prstGeom prst="rect">
+            <a:avLst/>
+          </a:prstGeom>
+          <a:noFill/>
+        </p:spPr>
+        <p:txBody>
+          <a:bodyPr wrap="none" rtlCol="0">
+            <a:spAutoFit/>
+          </a:bodyPr>
+          <a:lstStyle/>
+          <a:p>
+            <a:r>
+              <a:rPr lang="zh-CN" altLang="en-US" dirty="0"/>
+              <a:t>推送到远程分支</a:t>
+            </a:r>
+          </a:p>
+        </p:txBody>
+      </p:sp>
+    </p:spTree>
+    <p:extLst>
+      <p:ext uri="{BB962C8B-B14F-4D97-AF65-F5344CB8AC3E}">
+        <p14:creationId xmlns:p14="http://schemas.microsoft.com/office/powerpoint/2010/main" val="3397222622"/>
       </p:ext>
     </p:extLst>
   </p:cSld>
